--- a/Testing/Тестирование @ КрешКурс2013.pptx
+++ b/Testing/Тестирование @ КрешКурс2013.pptx
@@ -10,16 +10,16 @@
   <p:sldIdLst>
     <p:sldId id="256" r:id="rId2"/>
     <p:sldId id="257" r:id="rId3"/>
-    <p:sldId id="258" r:id="rId4"/>
-    <p:sldId id="259" r:id="rId5"/>
-    <p:sldId id="260" r:id="rId6"/>
-    <p:sldId id="265" r:id="rId7"/>
-    <p:sldId id="266" r:id="rId8"/>
-    <p:sldId id="277" r:id="rId9"/>
-    <p:sldId id="294" r:id="rId10"/>
-    <p:sldId id="269" r:id="rId11"/>
-    <p:sldId id="268" r:id="rId12"/>
-    <p:sldId id="270" r:id="rId13"/>
+    <p:sldId id="259" r:id="rId4"/>
+    <p:sldId id="260" r:id="rId5"/>
+    <p:sldId id="265" r:id="rId6"/>
+    <p:sldId id="266" r:id="rId7"/>
+    <p:sldId id="277" r:id="rId8"/>
+    <p:sldId id="294" r:id="rId9"/>
+    <p:sldId id="269" r:id="rId10"/>
+    <p:sldId id="268" r:id="rId11"/>
+    <p:sldId id="270" r:id="rId12"/>
+    <p:sldId id="258" r:id="rId13"/>
     <p:sldId id="271" r:id="rId14"/>
     <p:sldId id="272" r:id="rId15"/>
     <p:sldId id="273" r:id="rId16"/>
@@ -7594,23 +7594,23 @@
     </dgm:pt>
   </dgm:ptLst>
   <dgm:cxnLst>
+    <dgm:cxn modelId="{2C79D222-8785-4DF5-888E-2884E35C685D}" srcId="{E22E5080-6AE9-404F-98A7-7A0A13812357}" destId="{9E66F34F-733C-4256-9475-E1AEC667FFE5}" srcOrd="2" destOrd="0" parTransId="{8F03A999-3FEC-4076-A2F0-437897B41F98}" sibTransId="{6CF83504-EEF6-429E-8FA8-6BD25A2A38F0}"/>
+    <dgm:cxn modelId="{9BADAACC-9713-4330-88BA-76DB183AEAC1}" srcId="{E22E5080-6AE9-404F-98A7-7A0A13812357}" destId="{CA619879-9682-4A9A-8B19-8EEE1A9DDA31}" srcOrd="0" destOrd="0" parTransId="{816C185B-11B5-4CFF-A962-3123F3917227}" sibTransId="{689276A3-8957-4D91-ABC7-0342A0A21409}"/>
+    <dgm:cxn modelId="{6966F61E-23F6-43B9-A1FF-BB45BAE5E346}" type="presOf" srcId="{689276A3-8957-4D91-ABC7-0342A0A21409}" destId="{6D3E105C-5DA2-4D30-8D94-9DF04996ED43}" srcOrd="0" destOrd="0" presId="urn:microsoft.com/office/officeart/2005/8/layout/cycle2"/>
+    <dgm:cxn modelId="{4CDA3A4C-74B0-4DF7-890C-EAFFD4DDBAA6}" type="presOf" srcId="{15B6E2AF-4B08-480B-9E63-98F304AE9531}" destId="{78BA696A-C46C-41C3-8979-C51CF44A04E2}" srcOrd="0" destOrd="0" presId="urn:microsoft.com/office/officeart/2005/8/layout/cycle2"/>
+    <dgm:cxn modelId="{1EBE0841-FC7C-4D52-AF2F-69FFC59042EA}" type="presOf" srcId="{82DEDCF1-EB1A-4EA4-83D1-4C1AE66EE040}" destId="{11B4CBC4-AE1C-4904-826E-3BD4011B5EF6}" srcOrd="0" destOrd="0" presId="urn:microsoft.com/office/officeart/2005/8/layout/cycle2"/>
+    <dgm:cxn modelId="{3C7FD540-6293-482E-81BA-C132C39E3FA4}" type="presOf" srcId="{E22E5080-6AE9-404F-98A7-7A0A13812357}" destId="{E071ECF3-993D-4997-A223-0EB4018AB94E}" srcOrd="0" destOrd="0" presId="urn:microsoft.com/office/officeart/2005/8/layout/cycle2"/>
+    <dgm:cxn modelId="{DCD3BB36-5F64-4E04-A508-0F7192D23FB5}" srcId="{E22E5080-6AE9-404F-98A7-7A0A13812357}" destId="{82DEDCF1-EB1A-4EA4-83D1-4C1AE66EE040}" srcOrd="3" destOrd="0" parTransId="{BA2E9DB4-695C-44B0-809B-79366CA63544}" sibTransId="{15B6E2AF-4B08-480B-9E63-98F304AE9531}"/>
+    <dgm:cxn modelId="{26E36F16-FCC0-472D-9EAF-F978A327E9DE}" srcId="{E22E5080-6AE9-404F-98A7-7A0A13812357}" destId="{47FB6E91-B3FA-4B92-B558-B66325C9388D}" srcOrd="1" destOrd="0" parTransId="{986F0269-4B48-4749-8F3B-FCD5D7C6A253}" sibTransId="{5C12928E-C9E2-4F88-9135-F5C57D60AB43}"/>
+    <dgm:cxn modelId="{C24C4722-A108-4772-893C-DDAD1518D5F3}" type="presOf" srcId="{15B6E2AF-4B08-480B-9E63-98F304AE9531}" destId="{5CB8BEE9-D14C-4FD6-BDE1-FA93ED4A9B0A}" srcOrd="1" destOrd="0" presId="urn:microsoft.com/office/officeart/2005/8/layout/cycle2"/>
+    <dgm:cxn modelId="{D5C45F8E-4BBA-450F-AA5E-89F11A75B23D}" type="presOf" srcId="{6CF83504-EEF6-429E-8FA8-6BD25A2A38F0}" destId="{C53B6C48-0F28-4C30-8317-F4779C05F5E1}" srcOrd="0" destOrd="0" presId="urn:microsoft.com/office/officeart/2005/8/layout/cycle2"/>
+    <dgm:cxn modelId="{7409B219-7F17-41F1-8F56-16DBC31C8DF8}" type="presOf" srcId="{47FB6E91-B3FA-4B92-B558-B66325C9388D}" destId="{2DF0FCB7-52AA-4542-9718-42FC9EEBFEA0}" srcOrd="0" destOrd="0" presId="urn:microsoft.com/office/officeart/2005/8/layout/cycle2"/>
     <dgm:cxn modelId="{119D84E4-B9A1-4D54-9DF2-3A21A9F4C12F}" type="presOf" srcId="{689276A3-8957-4D91-ABC7-0342A0A21409}" destId="{4FE3A4E5-72D1-4DC6-9E03-8E9E16D17B75}" srcOrd="1" destOrd="0" presId="urn:microsoft.com/office/officeart/2005/8/layout/cycle2"/>
     <dgm:cxn modelId="{B2CBB2B3-83F3-4DDA-9927-F447A09EE294}" type="presOf" srcId="{5C12928E-C9E2-4F88-9135-F5C57D60AB43}" destId="{7815476A-849A-446F-8EB7-4348A1D65EFF}" srcOrd="0" destOrd="0" presId="urn:microsoft.com/office/officeart/2005/8/layout/cycle2"/>
     <dgm:cxn modelId="{CA3133B5-D6B2-4ABA-B032-EDDA506C797B}" type="presOf" srcId="{6CF83504-EEF6-429E-8FA8-6BD25A2A38F0}" destId="{6CC33D6B-9209-47BD-A6C6-1AF194EF0CD2}" srcOrd="1" destOrd="0" presId="urn:microsoft.com/office/officeart/2005/8/layout/cycle2"/>
-    <dgm:cxn modelId="{C24C4722-A108-4772-893C-DDAD1518D5F3}" type="presOf" srcId="{15B6E2AF-4B08-480B-9E63-98F304AE9531}" destId="{5CB8BEE9-D14C-4FD6-BDE1-FA93ED4A9B0A}" srcOrd="1" destOrd="0" presId="urn:microsoft.com/office/officeart/2005/8/layout/cycle2"/>
-    <dgm:cxn modelId="{D5C45F8E-4BBA-450F-AA5E-89F11A75B23D}" type="presOf" srcId="{6CF83504-EEF6-429E-8FA8-6BD25A2A38F0}" destId="{C53B6C48-0F28-4C30-8317-F4779C05F5E1}" srcOrd="0" destOrd="0" presId="urn:microsoft.com/office/officeart/2005/8/layout/cycle2"/>
+    <dgm:cxn modelId="{BF9697E9-4CB7-427D-8645-98D0462EDDF9}" type="presOf" srcId="{9E66F34F-733C-4256-9475-E1AEC667FFE5}" destId="{573D47CC-AE97-4FAA-8E6A-826D90755EB4}" srcOrd="0" destOrd="0" presId="urn:microsoft.com/office/officeart/2005/8/layout/cycle2"/>
+    <dgm:cxn modelId="{E12F9B70-7AF0-49D2-A7D8-B66074631965}" type="presOf" srcId="{5C12928E-C9E2-4F88-9135-F5C57D60AB43}" destId="{60D0B5E2-59BA-4DCB-ABBD-AF2C6E14EF03}" srcOrd="1" destOrd="0" presId="urn:microsoft.com/office/officeart/2005/8/layout/cycle2"/>
     <dgm:cxn modelId="{74AE8164-C88B-4941-AF56-72E25249BA2A}" type="presOf" srcId="{CA619879-9682-4A9A-8B19-8EEE1A9DDA31}" destId="{6CFAF0B4-C71D-4C93-B29D-0F3ACEB46DAC}" srcOrd="0" destOrd="0" presId="urn:microsoft.com/office/officeart/2005/8/layout/cycle2"/>
-    <dgm:cxn modelId="{9BADAACC-9713-4330-88BA-76DB183AEAC1}" srcId="{E22E5080-6AE9-404F-98A7-7A0A13812357}" destId="{CA619879-9682-4A9A-8B19-8EEE1A9DDA31}" srcOrd="0" destOrd="0" parTransId="{816C185B-11B5-4CFF-A962-3123F3917227}" sibTransId="{689276A3-8957-4D91-ABC7-0342A0A21409}"/>
-    <dgm:cxn modelId="{4CDA3A4C-74B0-4DF7-890C-EAFFD4DDBAA6}" type="presOf" srcId="{15B6E2AF-4B08-480B-9E63-98F304AE9531}" destId="{78BA696A-C46C-41C3-8979-C51CF44A04E2}" srcOrd="0" destOrd="0" presId="urn:microsoft.com/office/officeart/2005/8/layout/cycle2"/>
-    <dgm:cxn modelId="{6966F61E-23F6-43B9-A1FF-BB45BAE5E346}" type="presOf" srcId="{689276A3-8957-4D91-ABC7-0342A0A21409}" destId="{6D3E105C-5DA2-4D30-8D94-9DF04996ED43}" srcOrd="0" destOrd="0" presId="urn:microsoft.com/office/officeart/2005/8/layout/cycle2"/>
-    <dgm:cxn modelId="{7409B219-7F17-41F1-8F56-16DBC31C8DF8}" type="presOf" srcId="{47FB6E91-B3FA-4B92-B558-B66325C9388D}" destId="{2DF0FCB7-52AA-4542-9718-42FC9EEBFEA0}" srcOrd="0" destOrd="0" presId="urn:microsoft.com/office/officeart/2005/8/layout/cycle2"/>
-    <dgm:cxn modelId="{1EBE0841-FC7C-4D52-AF2F-69FFC59042EA}" type="presOf" srcId="{82DEDCF1-EB1A-4EA4-83D1-4C1AE66EE040}" destId="{11B4CBC4-AE1C-4904-826E-3BD4011B5EF6}" srcOrd="0" destOrd="0" presId="urn:microsoft.com/office/officeart/2005/8/layout/cycle2"/>
-    <dgm:cxn modelId="{DCD3BB36-5F64-4E04-A508-0F7192D23FB5}" srcId="{E22E5080-6AE9-404F-98A7-7A0A13812357}" destId="{82DEDCF1-EB1A-4EA4-83D1-4C1AE66EE040}" srcOrd="3" destOrd="0" parTransId="{BA2E9DB4-695C-44B0-809B-79366CA63544}" sibTransId="{15B6E2AF-4B08-480B-9E63-98F304AE9531}"/>
-    <dgm:cxn modelId="{2C79D222-8785-4DF5-888E-2884E35C685D}" srcId="{E22E5080-6AE9-404F-98A7-7A0A13812357}" destId="{9E66F34F-733C-4256-9475-E1AEC667FFE5}" srcOrd="2" destOrd="0" parTransId="{8F03A999-3FEC-4076-A2F0-437897B41F98}" sibTransId="{6CF83504-EEF6-429E-8FA8-6BD25A2A38F0}"/>
-    <dgm:cxn modelId="{26E36F16-FCC0-472D-9EAF-F978A327E9DE}" srcId="{E22E5080-6AE9-404F-98A7-7A0A13812357}" destId="{47FB6E91-B3FA-4B92-B558-B66325C9388D}" srcOrd="1" destOrd="0" parTransId="{986F0269-4B48-4749-8F3B-FCD5D7C6A253}" sibTransId="{5C12928E-C9E2-4F88-9135-F5C57D60AB43}"/>
-    <dgm:cxn modelId="{E12F9B70-7AF0-49D2-A7D8-B66074631965}" type="presOf" srcId="{5C12928E-C9E2-4F88-9135-F5C57D60AB43}" destId="{60D0B5E2-59BA-4DCB-ABBD-AF2C6E14EF03}" srcOrd="1" destOrd="0" presId="urn:microsoft.com/office/officeart/2005/8/layout/cycle2"/>
-    <dgm:cxn modelId="{BF9697E9-4CB7-427D-8645-98D0462EDDF9}" type="presOf" srcId="{9E66F34F-733C-4256-9475-E1AEC667FFE5}" destId="{573D47CC-AE97-4FAA-8E6A-826D90755EB4}" srcOrd="0" destOrd="0" presId="urn:microsoft.com/office/officeart/2005/8/layout/cycle2"/>
-    <dgm:cxn modelId="{3C7FD540-6293-482E-81BA-C132C39E3FA4}" type="presOf" srcId="{E22E5080-6AE9-404F-98A7-7A0A13812357}" destId="{E071ECF3-993D-4997-A223-0EB4018AB94E}" srcOrd="0" destOrd="0" presId="urn:microsoft.com/office/officeart/2005/8/layout/cycle2"/>
     <dgm:cxn modelId="{D4CFCFB9-44E3-46AF-AF4A-44213A3C648F}" type="presParOf" srcId="{E071ECF3-993D-4997-A223-0EB4018AB94E}" destId="{6CFAF0B4-C71D-4C93-B29D-0F3ACEB46DAC}" srcOrd="0" destOrd="0" presId="urn:microsoft.com/office/officeart/2005/8/layout/cycle2"/>
     <dgm:cxn modelId="{B3C81D73-AE21-4471-9E2D-5B1BF6AED92F}" type="presParOf" srcId="{E071ECF3-993D-4997-A223-0EB4018AB94E}" destId="{6D3E105C-5DA2-4D30-8D94-9DF04996ED43}" srcOrd="1" destOrd="0" presId="urn:microsoft.com/office/officeart/2005/8/layout/cycle2"/>
     <dgm:cxn modelId="{5FB604E7-B385-4B17-A142-4BD5BA160174}" type="presParOf" srcId="{6D3E105C-5DA2-4D30-8D94-9DF04996ED43}" destId="{4FE3A4E5-72D1-4DC6-9E03-8E9E16D17B75}" srcOrd="0" destOrd="0" presId="urn:microsoft.com/office/officeart/2005/8/layout/cycle2"/>
@@ -7996,23 +7996,23 @@
     </dgm:pt>
   </dgm:ptLst>
   <dgm:cxnLst>
-    <dgm:cxn modelId="{90B021AB-8B08-4BCF-85F8-0C58F788C869}" type="presOf" srcId="{6CF83504-EEF6-429E-8FA8-6BD25A2A38F0}" destId="{C53B6C48-0F28-4C30-8317-F4779C05F5E1}" srcOrd="0" destOrd="0" presId="urn:microsoft.com/office/officeart/2005/8/layout/cycle2"/>
+    <dgm:cxn modelId="{E1977428-BF2B-4134-8461-4D4833D6BD66}" type="presOf" srcId="{47FB6E91-B3FA-4B92-B558-B66325C9388D}" destId="{2DF0FCB7-52AA-4542-9718-42FC9EEBFEA0}" srcOrd="0" destOrd="0" presId="urn:microsoft.com/office/officeart/2005/8/layout/cycle2"/>
+    <dgm:cxn modelId="{AC48DE86-6AD8-4687-B265-91C0E74EE4F2}" type="presOf" srcId="{E22E5080-6AE9-404F-98A7-7A0A13812357}" destId="{E071ECF3-993D-4997-A223-0EB4018AB94E}" srcOrd="0" destOrd="0" presId="urn:microsoft.com/office/officeart/2005/8/layout/cycle2"/>
+    <dgm:cxn modelId="{076986C4-48B7-40D5-8AA7-F2A56A09D5FB}" type="presOf" srcId="{5C12928E-C9E2-4F88-9135-F5C57D60AB43}" destId="{60D0B5E2-59BA-4DCB-ABBD-AF2C6E14EF03}" srcOrd="1" destOrd="0" presId="urn:microsoft.com/office/officeart/2005/8/layout/cycle2"/>
+    <dgm:cxn modelId="{0EF27102-8633-438F-B883-9FAB8820B444}" type="presOf" srcId="{6CF83504-EEF6-429E-8FA8-6BD25A2A38F0}" destId="{6CC33D6B-9209-47BD-A6C6-1AF194EF0CD2}" srcOrd="1" destOrd="0" presId="urn:microsoft.com/office/officeart/2005/8/layout/cycle2"/>
+    <dgm:cxn modelId="{A9D30A65-17C9-4706-963C-4EA339422D9D}" type="presOf" srcId="{5C12928E-C9E2-4F88-9135-F5C57D60AB43}" destId="{7815476A-849A-446F-8EB7-4348A1D65EFF}" srcOrd="0" destOrd="0" presId="urn:microsoft.com/office/officeart/2005/8/layout/cycle2"/>
     <dgm:cxn modelId="{CC881AC4-FE23-42D8-B7A1-20A20B5DBD05}" type="presOf" srcId="{82DEDCF1-EB1A-4EA4-83D1-4C1AE66EE040}" destId="{11B4CBC4-AE1C-4904-826E-3BD4011B5EF6}" srcOrd="0" destOrd="0" presId="urn:microsoft.com/office/officeart/2005/8/layout/cycle2"/>
-    <dgm:cxn modelId="{A9D30A65-17C9-4706-963C-4EA339422D9D}" type="presOf" srcId="{5C12928E-C9E2-4F88-9135-F5C57D60AB43}" destId="{7815476A-849A-446F-8EB7-4348A1D65EFF}" srcOrd="0" destOrd="0" presId="urn:microsoft.com/office/officeart/2005/8/layout/cycle2"/>
+    <dgm:cxn modelId="{1EA5B0C3-03D5-4E1F-8A04-AA2DCF32CD5D}" type="presOf" srcId="{689276A3-8957-4D91-ABC7-0342A0A21409}" destId="{4FE3A4E5-72D1-4DC6-9E03-8E9E16D17B75}" srcOrd="1" destOrd="0" presId="urn:microsoft.com/office/officeart/2005/8/layout/cycle2"/>
+    <dgm:cxn modelId="{9BADAACC-9713-4330-88BA-76DB183AEAC1}" srcId="{E22E5080-6AE9-404F-98A7-7A0A13812357}" destId="{CA619879-9682-4A9A-8B19-8EEE1A9DDA31}" srcOrd="0" destOrd="0" parTransId="{816C185B-11B5-4CFF-A962-3123F3917227}" sibTransId="{689276A3-8957-4D91-ABC7-0342A0A21409}"/>
     <dgm:cxn modelId="{C5FAB5FD-535C-4236-AEB6-73FBD1910C52}" type="presOf" srcId="{689276A3-8957-4D91-ABC7-0342A0A21409}" destId="{6D3E105C-5DA2-4D30-8D94-9DF04996ED43}" srcOrd="0" destOrd="0" presId="urn:microsoft.com/office/officeart/2005/8/layout/cycle2"/>
-    <dgm:cxn modelId="{2C79D222-8785-4DF5-888E-2884E35C685D}" srcId="{E22E5080-6AE9-404F-98A7-7A0A13812357}" destId="{9E66F34F-733C-4256-9475-E1AEC667FFE5}" srcOrd="2" destOrd="0" parTransId="{8F03A999-3FEC-4076-A2F0-437897B41F98}" sibTransId="{6CF83504-EEF6-429E-8FA8-6BD25A2A38F0}"/>
-    <dgm:cxn modelId="{9BADAACC-9713-4330-88BA-76DB183AEAC1}" srcId="{E22E5080-6AE9-404F-98A7-7A0A13812357}" destId="{CA619879-9682-4A9A-8B19-8EEE1A9DDA31}" srcOrd="0" destOrd="0" parTransId="{816C185B-11B5-4CFF-A962-3123F3917227}" sibTransId="{689276A3-8957-4D91-ABC7-0342A0A21409}"/>
-    <dgm:cxn modelId="{1EA5B0C3-03D5-4E1F-8A04-AA2DCF32CD5D}" type="presOf" srcId="{689276A3-8957-4D91-ABC7-0342A0A21409}" destId="{4FE3A4E5-72D1-4DC6-9E03-8E9E16D17B75}" srcOrd="1" destOrd="0" presId="urn:microsoft.com/office/officeart/2005/8/layout/cycle2"/>
-    <dgm:cxn modelId="{BA75F0AE-0B8C-46B4-869C-081669263737}" type="presOf" srcId="{15B6E2AF-4B08-480B-9E63-98F304AE9531}" destId="{78BA696A-C46C-41C3-8979-C51CF44A04E2}" srcOrd="0" destOrd="0" presId="urn:microsoft.com/office/officeart/2005/8/layout/cycle2"/>
-    <dgm:cxn modelId="{DCD3BB36-5F64-4E04-A508-0F7192D23FB5}" srcId="{E22E5080-6AE9-404F-98A7-7A0A13812357}" destId="{82DEDCF1-EB1A-4EA4-83D1-4C1AE66EE040}" srcOrd="3" destOrd="0" parTransId="{BA2E9DB4-695C-44B0-809B-79366CA63544}" sibTransId="{15B6E2AF-4B08-480B-9E63-98F304AE9531}"/>
-    <dgm:cxn modelId="{26E36F16-FCC0-472D-9EAF-F978A327E9DE}" srcId="{E22E5080-6AE9-404F-98A7-7A0A13812357}" destId="{47FB6E91-B3FA-4B92-B558-B66325C9388D}" srcOrd="1" destOrd="0" parTransId="{986F0269-4B48-4749-8F3B-FCD5D7C6A253}" sibTransId="{5C12928E-C9E2-4F88-9135-F5C57D60AB43}"/>
-    <dgm:cxn modelId="{AC48DE86-6AD8-4687-B265-91C0E74EE4F2}" type="presOf" srcId="{E22E5080-6AE9-404F-98A7-7A0A13812357}" destId="{E071ECF3-993D-4997-A223-0EB4018AB94E}" srcOrd="0" destOrd="0" presId="urn:microsoft.com/office/officeart/2005/8/layout/cycle2"/>
     <dgm:cxn modelId="{7EAF1A50-CD57-4C29-B1BC-E7A51D5C7F24}" type="presOf" srcId="{15B6E2AF-4B08-480B-9E63-98F304AE9531}" destId="{5CB8BEE9-D14C-4FD6-BDE1-FA93ED4A9B0A}" srcOrd="1" destOrd="0" presId="urn:microsoft.com/office/officeart/2005/8/layout/cycle2"/>
     <dgm:cxn modelId="{AA03A71E-7F06-4907-9A19-099F891D444B}" type="presOf" srcId="{9E66F34F-733C-4256-9475-E1AEC667FFE5}" destId="{573D47CC-AE97-4FAA-8E6A-826D90755EB4}" srcOrd="0" destOrd="0" presId="urn:microsoft.com/office/officeart/2005/8/layout/cycle2"/>
-    <dgm:cxn modelId="{0EF27102-8633-438F-B883-9FAB8820B444}" type="presOf" srcId="{6CF83504-EEF6-429E-8FA8-6BD25A2A38F0}" destId="{6CC33D6B-9209-47BD-A6C6-1AF194EF0CD2}" srcOrd="1" destOrd="0" presId="urn:microsoft.com/office/officeart/2005/8/layout/cycle2"/>
-    <dgm:cxn modelId="{E1977428-BF2B-4134-8461-4D4833D6BD66}" type="presOf" srcId="{47FB6E91-B3FA-4B92-B558-B66325C9388D}" destId="{2DF0FCB7-52AA-4542-9718-42FC9EEBFEA0}" srcOrd="0" destOrd="0" presId="urn:microsoft.com/office/officeart/2005/8/layout/cycle2"/>
-    <dgm:cxn modelId="{076986C4-48B7-40D5-8AA7-F2A56A09D5FB}" type="presOf" srcId="{5C12928E-C9E2-4F88-9135-F5C57D60AB43}" destId="{60D0B5E2-59BA-4DCB-ABBD-AF2C6E14EF03}" srcOrd="1" destOrd="0" presId="urn:microsoft.com/office/officeart/2005/8/layout/cycle2"/>
+    <dgm:cxn modelId="{DCD3BB36-5F64-4E04-A508-0F7192D23FB5}" srcId="{E22E5080-6AE9-404F-98A7-7A0A13812357}" destId="{82DEDCF1-EB1A-4EA4-83D1-4C1AE66EE040}" srcOrd="3" destOrd="0" parTransId="{BA2E9DB4-695C-44B0-809B-79366CA63544}" sibTransId="{15B6E2AF-4B08-480B-9E63-98F304AE9531}"/>
     <dgm:cxn modelId="{A9FAA8F9-C158-4807-875F-B883FE5EDA4A}" type="presOf" srcId="{CA619879-9682-4A9A-8B19-8EEE1A9DDA31}" destId="{6CFAF0B4-C71D-4C93-B29D-0F3ACEB46DAC}" srcOrd="0" destOrd="0" presId="urn:microsoft.com/office/officeart/2005/8/layout/cycle2"/>
+    <dgm:cxn modelId="{2C79D222-8785-4DF5-888E-2884E35C685D}" srcId="{E22E5080-6AE9-404F-98A7-7A0A13812357}" destId="{9E66F34F-733C-4256-9475-E1AEC667FFE5}" srcOrd="2" destOrd="0" parTransId="{8F03A999-3FEC-4076-A2F0-437897B41F98}" sibTransId="{6CF83504-EEF6-429E-8FA8-6BD25A2A38F0}"/>
+    <dgm:cxn modelId="{26E36F16-FCC0-472D-9EAF-F978A327E9DE}" srcId="{E22E5080-6AE9-404F-98A7-7A0A13812357}" destId="{47FB6E91-B3FA-4B92-B558-B66325C9388D}" srcOrd="1" destOrd="0" parTransId="{986F0269-4B48-4749-8F3B-FCD5D7C6A253}" sibTransId="{5C12928E-C9E2-4F88-9135-F5C57D60AB43}"/>
+    <dgm:cxn modelId="{90B021AB-8B08-4BCF-85F8-0C58F788C869}" type="presOf" srcId="{6CF83504-EEF6-429E-8FA8-6BD25A2A38F0}" destId="{C53B6C48-0F28-4C30-8317-F4779C05F5E1}" srcOrd="0" destOrd="0" presId="urn:microsoft.com/office/officeart/2005/8/layout/cycle2"/>
+    <dgm:cxn modelId="{BA75F0AE-0B8C-46B4-869C-081669263737}" type="presOf" srcId="{15B6E2AF-4B08-480B-9E63-98F304AE9531}" destId="{78BA696A-C46C-41C3-8979-C51CF44A04E2}" srcOrd="0" destOrd="0" presId="urn:microsoft.com/office/officeart/2005/8/layout/cycle2"/>
     <dgm:cxn modelId="{CD5AC93A-35A1-4A48-849C-879E99C395E2}" type="presParOf" srcId="{E071ECF3-993D-4997-A223-0EB4018AB94E}" destId="{6CFAF0B4-C71D-4C93-B29D-0F3ACEB46DAC}" srcOrd="0" destOrd="0" presId="urn:microsoft.com/office/officeart/2005/8/layout/cycle2"/>
     <dgm:cxn modelId="{81AEBBF7-5799-4F7F-A911-E7F7AF786E5A}" type="presParOf" srcId="{E071ECF3-993D-4997-A223-0EB4018AB94E}" destId="{6D3E105C-5DA2-4D30-8D94-9DF04996ED43}" srcOrd="1" destOrd="0" presId="urn:microsoft.com/office/officeart/2005/8/layout/cycle2"/>
     <dgm:cxn modelId="{E8F2932B-5886-4F64-8276-916EACB9BCDD}" type="presParOf" srcId="{6D3E105C-5DA2-4D30-8D94-9DF04996ED43}" destId="{4FE3A4E5-72D1-4DC6-9E03-8E9E16D17B75}" srcOrd="0" destOrd="0" presId="urn:microsoft.com/office/officeart/2005/8/layout/cycle2"/>
@@ -19561,7 +19561,7 @@
           <a:p>
             <a:fld id="{16E5F246-0B7D-44DF-8C1B-EDFCA5DA626A}" type="datetimeFigureOut">
               <a:rPr lang="ru-RU" smtClean="0"/>
-              <a:t>04.07.2013</a:t>
+              <a:t>08.07.2013</a:t>
             </a:fld>
             <a:endParaRPr lang="ru-RU"/>
           </a:p>
@@ -20094,7 +20094,7 @@
           <a:p>
             <a:fld id="{ED7A5A9E-355E-4F5A-82F5-195339D13266}" type="datetimeFigureOut">
               <a:rPr lang="ru-RU" smtClean="0"/>
-              <a:t>04.07.2013</a:t>
+              <a:t>08.07.2013</a:t>
             </a:fld>
             <a:endParaRPr lang="ru-RU"/>
           </a:p>
@@ -20264,7 +20264,7 @@
           <a:p>
             <a:fld id="{ED7A5A9E-355E-4F5A-82F5-195339D13266}" type="datetimeFigureOut">
               <a:rPr lang="ru-RU" smtClean="0"/>
-              <a:t>04.07.2013</a:t>
+              <a:t>08.07.2013</a:t>
             </a:fld>
             <a:endParaRPr lang="ru-RU"/>
           </a:p>
@@ -20444,7 +20444,7 @@
           <a:p>
             <a:fld id="{ED7A5A9E-355E-4F5A-82F5-195339D13266}" type="datetimeFigureOut">
               <a:rPr lang="ru-RU" smtClean="0"/>
-              <a:t>04.07.2013</a:t>
+              <a:t>08.07.2013</a:t>
             </a:fld>
             <a:endParaRPr lang="ru-RU"/>
           </a:p>
@@ -20614,7 +20614,7 @@
           <a:p>
             <a:fld id="{ED7A5A9E-355E-4F5A-82F5-195339D13266}" type="datetimeFigureOut">
               <a:rPr lang="ru-RU" smtClean="0"/>
-              <a:t>04.07.2013</a:t>
+              <a:t>08.07.2013</a:t>
             </a:fld>
             <a:endParaRPr lang="ru-RU"/>
           </a:p>
@@ -20860,7 +20860,7 @@
           <a:p>
             <a:fld id="{ED7A5A9E-355E-4F5A-82F5-195339D13266}" type="datetimeFigureOut">
               <a:rPr lang="ru-RU" smtClean="0"/>
-              <a:t>04.07.2013</a:t>
+              <a:t>08.07.2013</a:t>
             </a:fld>
             <a:endParaRPr lang="ru-RU"/>
           </a:p>
@@ -21148,7 +21148,7 @@
           <a:p>
             <a:fld id="{ED7A5A9E-355E-4F5A-82F5-195339D13266}" type="datetimeFigureOut">
               <a:rPr lang="ru-RU" smtClean="0"/>
-              <a:t>04.07.2013</a:t>
+              <a:t>08.07.2013</a:t>
             </a:fld>
             <a:endParaRPr lang="ru-RU"/>
           </a:p>
@@ -21570,7 +21570,7 @@
           <a:p>
             <a:fld id="{ED7A5A9E-355E-4F5A-82F5-195339D13266}" type="datetimeFigureOut">
               <a:rPr lang="ru-RU" smtClean="0"/>
-              <a:t>04.07.2013</a:t>
+              <a:t>08.07.2013</a:t>
             </a:fld>
             <a:endParaRPr lang="ru-RU"/>
           </a:p>
@@ -21688,7 +21688,7 @@
           <a:p>
             <a:fld id="{ED7A5A9E-355E-4F5A-82F5-195339D13266}" type="datetimeFigureOut">
               <a:rPr lang="ru-RU" smtClean="0"/>
-              <a:t>04.07.2013</a:t>
+              <a:t>08.07.2013</a:t>
             </a:fld>
             <a:endParaRPr lang="ru-RU"/>
           </a:p>
@@ -21783,7 +21783,7 @@
           <a:p>
             <a:fld id="{ED7A5A9E-355E-4F5A-82F5-195339D13266}" type="datetimeFigureOut">
               <a:rPr lang="ru-RU" smtClean="0"/>
-              <a:t>04.07.2013</a:t>
+              <a:t>08.07.2013</a:t>
             </a:fld>
             <a:endParaRPr lang="ru-RU"/>
           </a:p>
@@ -22060,7 +22060,7 @@
           <a:p>
             <a:fld id="{ED7A5A9E-355E-4F5A-82F5-195339D13266}" type="datetimeFigureOut">
               <a:rPr lang="ru-RU" smtClean="0"/>
-              <a:t>04.07.2013</a:t>
+              <a:t>08.07.2013</a:t>
             </a:fld>
             <a:endParaRPr lang="ru-RU"/>
           </a:p>
@@ -22313,7 +22313,7 @@
           <a:p>
             <a:fld id="{ED7A5A9E-355E-4F5A-82F5-195339D13266}" type="datetimeFigureOut">
               <a:rPr lang="ru-RU" smtClean="0"/>
-              <a:t>04.07.2013</a:t>
+              <a:t>08.07.2013</a:t>
             </a:fld>
             <a:endParaRPr lang="ru-RU"/>
           </a:p>
@@ -22526,7 +22526,7 @@
           <a:p>
             <a:fld id="{ED7A5A9E-355E-4F5A-82F5-195339D13266}" type="datetimeFigureOut">
               <a:rPr lang="ru-RU" smtClean="0"/>
-              <a:t>04.07.2013</a:t>
+              <a:t>08.07.2013</a:t>
             </a:fld>
             <a:endParaRPr lang="ru-RU"/>
           </a:p>
@@ -23013,217 +23013,6 @@
       </p:sp>
       <p:graphicFrame>
         <p:nvGraphicFramePr>
-          <p:cNvPr id="4" name="Схема 3"/>
-          <p:cNvGraphicFramePr/>
-          <p:nvPr>
-            <p:extLst>
-              <p:ext uri="{D42A27DB-BD31-4B8C-83A1-F6EECF244321}">
-                <p14:modId xmlns:p14="http://schemas.microsoft.com/office/powerpoint/2010/main" val="1951959230"/>
-              </p:ext>
-            </p:extLst>
-          </p:nvPr>
-        </p:nvGraphicFramePr>
-        <p:xfrm>
-          <a:off x="683568" y="1685032"/>
-          <a:ext cx="7920880" cy="4624288"/>
-        </p:xfrm>
-        <a:graphic>
-          <a:graphicData uri="http://schemas.openxmlformats.org/drawingml/2006/diagram">
-            <dgm:relIds xmlns:dgm="http://schemas.openxmlformats.org/drawingml/2006/diagram" xmlns:r="http://schemas.openxmlformats.org/officeDocument/2006/relationships" r:dm="rId2" r:lo="rId3" r:qs="rId4" r:cs="rId5"/>
-          </a:graphicData>
-        </a:graphic>
-      </p:graphicFrame>
-      <p:sp>
-        <p:nvSpPr>
-          <p:cNvPr id="6" name="Заголовок 1"/>
-          <p:cNvSpPr txBox="1">
-            <a:spLocks/>
-          </p:cNvSpPr>
-          <p:nvPr/>
-        </p:nvSpPr>
-        <p:spPr>
-          <a:xfrm>
-            <a:off x="2771800" y="1124744"/>
-            <a:ext cx="3672408" cy="360040"/>
-          </a:xfrm>
-          <a:prstGeom prst="rect">
-            <a:avLst/>
-          </a:prstGeom>
-        </p:spPr>
-        <p:txBody>
-          <a:bodyPr vert="horz" lIns="91440" tIns="45720" rIns="91440" bIns="45720" rtlCol="0" anchor="ctr">
-            <a:normAutofit fontScale="85000" lnSpcReduction="20000"/>
-          </a:bodyPr>
-          <a:lstStyle>
-            <a:lvl1pPr algn="ctr" defTabSz="914400" rtl="0" eaLnBrk="1" latinLnBrk="0" hangingPunct="1">
-              <a:spcBef>
-                <a:spcPct val="0"/>
-              </a:spcBef>
-              <a:buNone/>
-              <a:defRPr sz="4400" b="1" kern="1200">
-                <a:solidFill>
-                  <a:schemeClr val="tx1">
-                    <a:lumMod val="75000"/>
-                    <a:lumOff val="25000"/>
-                  </a:schemeClr>
-                </a:solidFill>
-                <a:latin typeface="Segoe UI" pitchFamily="34" charset="0"/>
-                <a:ea typeface="Segoe UI" pitchFamily="34" charset="0"/>
-                <a:cs typeface="Segoe UI" pitchFamily="34" charset="0"/>
-              </a:defRPr>
-            </a:lvl1pPr>
-          </a:lstStyle>
-          <a:p>
-            <a:r>
-              <a:rPr lang="ru-RU" sz="2400" b="0" dirty="0" smtClean="0"/>
-              <a:t>на самом деле тоже </a:t>
-            </a:r>
-            <a:r>
-              <a:rPr lang="ru-RU" sz="2400" b="0" dirty="0" smtClean="0"/>
-              <a:t>нет</a:t>
-            </a:r>
-            <a:r>
-              <a:rPr lang="ru-RU" sz="2400" b="0" dirty="0" smtClean="0"/>
-              <a:t>!</a:t>
-            </a:r>
-          </a:p>
-        </p:txBody>
-      </p:sp>
-    </p:spTree>
-    <p:extLst>
-      <p:ext uri="{BB962C8B-B14F-4D97-AF65-F5344CB8AC3E}">
-        <p14:creationId xmlns:p14="http://schemas.microsoft.com/office/powerpoint/2010/main" val="2366178069"/>
-      </p:ext>
-    </p:extLst>
-  </p:cSld>
-  <p:clrMapOvr>
-    <a:masterClrMapping/>
-  </p:clrMapOvr>
-  <p:timing>
-    <p:tnLst>
-      <p:par>
-        <p:cTn id="1" dur="indefinite" restart="never" nodeType="tmRoot">
-          <p:childTnLst>
-            <p:seq concurrent="1" nextAc="seek">
-              <p:cTn id="2" dur="indefinite" nodeType="mainSeq">
-                <p:childTnLst>
-                  <p:par>
-                    <p:cTn id="3" fill="hold">
-                      <p:stCondLst>
-                        <p:cond delay="indefinite"/>
-                      </p:stCondLst>
-                      <p:childTnLst>
-                        <p:par>
-                          <p:cTn id="4" fill="hold">
-                            <p:stCondLst>
-                              <p:cond delay="0"/>
-                            </p:stCondLst>
-                            <p:childTnLst>
-                              <p:par>
-                                <p:cTn id="5" presetID="1" presetClass="entr" presetSubtype="0" fill="hold" grpId="0" nodeType="clickEffect">
-                                  <p:stCondLst>
-                                    <p:cond delay="0"/>
-                                  </p:stCondLst>
-                                  <p:childTnLst>
-                                    <p:set>
-                                      <p:cBhvr>
-                                        <p:cTn id="6" dur="1" fill="hold">
-                                          <p:stCondLst>
-                                            <p:cond delay="0"/>
-                                          </p:stCondLst>
-                                        </p:cTn>
-                                        <p:tgtEl>
-                                          <p:spTgt spid="6"/>
-                                        </p:tgtEl>
-                                        <p:attrNameLst>
-                                          <p:attrName>style.visibility</p:attrName>
-                                        </p:attrNameLst>
-                                      </p:cBhvr>
-                                      <p:to>
-                                        <p:strVal val="visible"/>
-                                      </p:to>
-                                    </p:set>
-                                  </p:childTnLst>
-                                </p:cTn>
-                              </p:par>
-                            </p:childTnLst>
-                          </p:cTn>
-                        </p:par>
-                      </p:childTnLst>
-                    </p:cTn>
-                  </p:par>
-                </p:childTnLst>
-              </p:cTn>
-              <p:prevCondLst>
-                <p:cond evt="onPrev" delay="0">
-                  <p:tgtEl>
-                    <p:sldTgt/>
-                  </p:tgtEl>
-                </p:cond>
-              </p:prevCondLst>
-              <p:nextCondLst>
-                <p:cond evt="onNext" delay="0">
-                  <p:tgtEl>
-                    <p:sldTgt/>
-                  </p:tgtEl>
-                </p:cond>
-              </p:nextCondLst>
-            </p:seq>
-          </p:childTnLst>
-        </p:cTn>
-      </p:par>
-    </p:tnLst>
-    <p:bldLst>
-      <p:bldP spid="6" grpId="0"/>
-    </p:bldLst>
-  </p:timing>
-</p:sld>
-</file>
-
-<file path=ppt/slides/slide11.xml><?xml version="1.0" encoding="utf-8"?>
-<p:sld xmlns:a="http://schemas.openxmlformats.org/drawingml/2006/main" xmlns:r="http://schemas.openxmlformats.org/officeDocument/2006/relationships" xmlns:p="http://schemas.openxmlformats.org/presentationml/2006/main">
-  <p:cSld>
-    <p:spTree>
-      <p:nvGrpSpPr>
-        <p:cNvPr id="1" name=""/>
-        <p:cNvGrpSpPr/>
-        <p:nvPr/>
-      </p:nvGrpSpPr>
-      <p:grpSpPr>
-        <a:xfrm>
-          <a:off x="0" y="0"/>
-          <a:ext cx="0" cy="0"/>
-          <a:chOff x="0" y="0"/>
-          <a:chExt cx="0" cy="0"/>
-        </a:xfrm>
-      </p:grpSpPr>
-      <p:sp>
-        <p:nvSpPr>
-          <p:cNvPr id="2" name="Заголовок 1"/>
-          <p:cNvSpPr>
-            <a:spLocks noGrp="1"/>
-          </p:cNvSpPr>
-          <p:nvPr>
-            <p:ph type="title"/>
-          </p:nvPr>
-        </p:nvSpPr>
-        <p:spPr/>
-        <p:txBody>
-          <a:bodyPr>
-            <a:normAutofit/>
-          </a:bodyPr>
-          <a:lstStyle/>
-          <a:p>
-            <a:r>
-              <a:rPr lang="en-US" dirty="0" smtClean="0"/>
-              <a:t>TDD</a:t>
-            </a:r>
-            <a:endParaRPr lang="ru-RU" dirty="0"/>
-          </a:p>
-        </p:txBody>
-      </p:sp>
-      <p:graphicFrame>
-        <p:nvGraphicFramePr>
           <p:cNvPr id="3" name="Схема 2"/>
           <p:cNvGraphicFramePr/>
           <p:nvPr>
@@ -23264,7 +23053,7 @@
 </p:sld>
 </file>
 
-<file path=ppt/slides/slide12.xml><?xml version="1.0" encoding="utf-8"?>
+<file path=ppt/slides/slide11.xml><?xml version="1.0" encoding="utf-8"?>
 <p:sld xmlns:a="http://schemas.openxmlformats.org/drawingml/2006/main" xmlns:r="http://schemas.openxmlformats.org/officeDocument/2006/relationships" xmlns:p="http://schemas.openxmlformats.org/presentationml/2006/main">
   <p:cSld>
     <p:spTree>
@@ -23326,6 +23115,70 @@
     <p:extLst>
       <p:ext uri="{BB962C8B-B14F-4D97-AF65-F5344CB8AC3E}">
         <p14:creationId xmlns:p14="http://schemas.microsoft.com/office/powerpoint/2010/main" val="439619217"/>
+      </p:ext>
+    </p:extLst>
+  </p:cSld>
+  <p:clrMapOvr>
+    <a:masterClrMapping/>
+  </p:clrMapOvr>
+  <p:timing>
+    <p:tnLst>
+      <p:par>
+        <p:cTn id="1" dur="indefinite" restart="never" nodeType="tmRoot"/>
+      </p:par>
+    </p:tnLst>
+  </p:timing>
+</p:sld>
+</file>
+
+<file path=ppt/slides/slide12.xml><?xml version="1.0" encoding="utf-8"?>
+<p:sld xmlns:a="http://schemas.openxmlformats.org/drawingml/2006/main" xmlns:r="http://schemas.openxmlformats.org/officeDocument/2006/relationships" xmlns:p="http://schemas.openxmlformats.org/presentationml/2006/main">
+  <p:cSld>
+    <p:spTree>
+      <p:nvGrpSpPr>
+        <p:cNvPr id="1" name=""/>
+        <p:cNvGrpSpPr/>
+        <p:nvPr/>
+      </p:nvGrpSpPr>
+      <p:grpSpPr>
+        <a:xfrm>
+          <a:off x="0" y="0"/>
+          <a:ext cx="0" cy="0"/>
+          <a:chOff x="0" y="0"/>
+          <a:chExt cx="0" cy="0"/>
+        </a:xfrm>
+      </p:grpSpPr>
+      <p:sp>
+        <p:nvSpPr>
+          <p:cNvPr id="2" name="Заголовок 1"/>
+          <p:cNvSpPr>
+            <a:spLocks noGrp="1"/>
+          </p:cNvSpPr>
+          <p:nvPr>
+            <p:ph type="title"/>
+          </p:nvPr>
+        </p:nvSpPr>
+        <p:spPr/>
+        <p:txBody>
+          <a:bodyPr/>
+          <a:lstStyle/>
+          <a:p>
+            <a:r>
+              <a:rPr lang="en-US" dirty="0" err="1" smtClean="0"/>
+              <a:t>NUnit</a:t>
+            </a:r>
+            <a:r>
+              <a:rPr lang="en-US" dirty="0" smtClean="0"/>
+              <a:t> demo</a:t>
+            </a:r>
+            <a:endParaRPr lang="ru-RU" dirty="0"/>
+          </a:p>
+        </p:txBody>
+      </p:sp>
+    </p:spTree>
+    <p:extLst>
+      <p:ext uri="{BB962C8B-B14F-4D97-AF65-F5344CB8AC3E}">
+        <p14:creationId xmlns:p14="http://schemas.microsoft.com/office/powerpoint/2010/main" val="2608093717"/>
       </p:ext>
     </p:extLst>
   </p:cSld>
@@ -26268,17 +26121,55 @@
         </p:nvSpPr>
         <p:spPr/>
         <p:txBody>
+          <a:bodyPr>
+            <a:normAutofit/>
+          </a:bodyPr>
+          <a:lstStyle/>
+          <a:p>
+            <a:r>
+              <a:rPr lang="ru-RU" dirty="0" smtClean="0"/>
+              <a:t>Виды тестов</a:t>
+            </a:r>
+            <a:endParaRPr lang="ru-RU" dirty="0"/>
+          </a:p>
+        </p:txBody>
+      </p:sp>
+      <p:sp>
+        <p:nvSpPr>
+          <p:cNvPr id="3" name="Объект 2"/>
+          <p:cNvSpPr>
+            <a:spLocks noGrp="1"/>
+          </p:cNvSpPr>
+          <p:nvPr>
+            <p:ph idx="1"/>
+          </p:nvPr>
+        </p:nvSpPr>
+        <p:spPr/>
+        <p:txBody>
           <a:bodyPr/>
           <a:lstStyle/>
           <a:p>
             <a:r>
-              <a:rPr lang="en-US" dirty="0" err="1" smtClean="0"/>
-              <a:t>NUnit</a:t>
+              <a:rPr lang="ru-RU" dirty="0" smtClean="0"/>
+              <a:t>Модульные</a:t>
             </a:r>
+          </a:p>
+          <a:p>
             <a:r>
-              <a:rPr lang="en-US" dirty="0" smtClean="0"/>
-              <a:t> demo</a:t>
+              <a:rPr lang="ru-RU" dirty="0" smtClean="0"/>
+              <a:t>Интеграционные</a:t>
             </a:r>
+          </a:p>
+          <a:p>
+            <a:r>
+              <a:rPr lang="ru-RU" dirty="0" smtClean="0"/>
+              <a:t>Функциональные</a:t>
+            </a:r>
+          </a:p>
+          <a:p>
+            <a:pPr marL="0" indent="0">
+              <a:buNone/>
+            </a:pPr>
             <a:endParaRPr lang="ru-RU" dirty="0"/>
           </a:p>
         </p:txBody>
@@ -26286,7 +26177,7 @@
     </p:spTree>
     <p:extLst>
       <p:ext uri="{BB962C8B-B14F-4D97-AF65-F5344CB8AC3E}">
-        <p14:creationId xmlns:p14="http://schemas.microsoft.com/office/powerpoint/2010/main" val="2608093717"/>
+        <p14:creationId xmlns:p14="http://schemas.microsoft.com/office/powerpoint/2010/main" val="1914566782"/>
       </p:ext>
     </p:extLst>
   </p:cSld>
@@ -26296,9 +26187,182 @@
   <p:timing>
     <p:tnLst>
       <p:par>
-        <p:cTn id="1" dur="indefinite" restart="never" nodeType="tmRoot"/>
+        <p:cTn id="1" dur="indefinite" restart="never" nodeType="tmRoot">
+          <p:childTnLst>
+            <p:seq concurrent="1" nextAc="seek">
+              <p:cTn id="2" dur="indefinite" nodeType="mainSeq">
+                <p:childTnLst>
+                  <p:par>
+                    <p:cTn id="3" fill="hold">
+                      <p:stCondLst>
+                        <p:cond delay="indefinite"/>
+                      </p:stCondLst>
+                      <p:childTnLst>
+                        <p:par>
+                          <p:cTn id="4" fill="hold">
+                            <p:stCondLst>
+                              <p:cond delay="0"/>
+                            </p:stCondLst>
+                            <p:childTnLst>
+                              <p:par>
+                                <p:cTn id="5" presetID="1" presetClass="entr" presetSubtype="0" fill="hold" grpId="0" nodeType="clickEffect">
+                                  <p:stCondLst>
+                                    <p:cond delay="0"/>
+                                  </p:stCondLst>
+                                  <p:childTnLst>
+                                    <p:set>
+                                      <p:cBhvr>
+                                        <p:cTn id="6" dur="1" fill="hold">
+                                          <p:stCondLst>
+                                            <p:cond delay="0"/>
+                                          </p:stCondLst>
+                                        </p:cTn>
+                                        <p:tgtEl>
+                                          <p:spTgt spid="3">
+                                            <p:txEl>
+                                              <p:pRg st="0" end="0"/>
+                                            </p:txEl>
+                                          </p:spTgt>
+                                        </p:tgtEl>
+                                        <p:attrNameLst>
+                                          <p:attrName>style.visibility</p:attrName>
+                                        </p:attrNameLst>
+                                      </p:cBhvr>
+                                      <p:to>
+                                        <p:strVal val="visible"/>
+                                      </p:to>
+                                    </p:set>
+                                  </p:childTnLst>
+                                </p:cTn>
+                              </p:par>
+                            </p:childTnLst>
+                          </p:cTn>
+                        </p:par>
+                      </p:childTnLst>
+                    </p:cTn>
+                  </p:par>
+                  <p:par>
+                    <p:cTn id="7" fill="hold">
+                      <p:stCondLst>
+                        <p:cond delay="indefinite"/>
+                      </p:stCondLst>
+                      <p:childTnLst>
+                        <p:par>
+                          <p:cTn id="8" fill="hold">
+                            <p:stCondLst>
+                              <p:cond delay="0"/>
+                            </p:stCondLst>
+                            <p:childTnLst>
+                              <p:par>
+                                <p:cTn id="9" presetID="1" presetClass="entr" presetSubtype="0" fill="hold" grpId="0" nodeType="clickEffect">
+                                  <p:stCondLst>
+                                    <p:cond delay="0"/>
+                                  </p:stCondLst>
+                                  <p:childTnLst>
+                                    <p:set>
+                                      <p:cBhvr>
+                                        <p:cTn id="10" dur="1" fill="hold">
+                                          <p:stCondLst>
+                                            <p:cond delay="0"/>
+                                          </p:stCondLst>
+                                        </p:cTn>
+                                        <p:tgtEl>
+                                          <p:spTgt spid="3">
+                                            <p:txEl>
+                                              <p:pRg st="1" end="1"/>
+                                            </p:txEl>
+                                          </p:spTgt>
+                                        </p:tgtEl>
+                                        <p:attrNameLst>
+                                          <p:attrName>style.visibility</p:attrName>
+                                        </p:attrNameLst>
+                                      </p:cBhvr>
+                                      <p:to>
+                                        <p:strVal val="visible"/>
+                                      </p:to>
+                                    </p:set>
+                                  </p:childTnLst>
+                                </p:cTn>
+                              </p:par>
+                            </p:childTnLst>
+                          </p:cTn>
+                        </p:par>
+                      </p:childTnLst>
+                    </p:cTn>
+                  </p:par>
+                  <p:par>
+                    <p:cTn id="11" fill="hold">
+                      <p:stCondLst>
+                        <p:cond delay="indefinite"/>
+                      </p:stCondLst>
+                      <p:childTnLst>
+                        <p:par>
+                          <p:cTn id="12" fill="hold">
+                            <p:stCondLst>
+                              <p:cond delay="0"/>
+                            </p:stCondLst>
+                            <p:childTnLst>
+                              <p:par>
+                                <p:cTn id="13" presetID="1" presetClass="entr" presetSubtype="0" fill="hold" grpId="0" nodeType="clickEffect">
+                                  <p:stCondLst>
+                                    <p:cond delay="0"/>
+                                  </p:stCondLst>
+                                  <p:childTnLst>
+                                    <p:set>
+                                      <p:cBhvr>
+                                        <p:cTn id="14" dur="1" fill="hold">
+                                          <p:stCondLst>
+                                            <p:cond delay="0"/>
+                                          </p:stCondLst>
+                                        </p:cTn>
+                                        <p:tgtEl>
+                                          <p:spTgt spid="3">
+                                            <p:txEl>
+                                              <p:pRg st="2" end="2"/>
+                                            </p:txEl>
+                                          </p:spTgt>
+                                        </p:tgtEl>
+                                        <p:attrNameLst>
+                                          <p:attrName>style.visibility</p:attrName>
+                                        </p:attrNameLst>
+                                      </p:cBhvr>
+                                      <p:to>
+                                        <p:strVal val="visible"/>
+                                      </p:to>
+                                    </p:set>
+                                  </p:childTnLst>
+                                </p:cTn>
+                              </p:par>
+                            </p:childTnLst>
+                          </p:cTn>
+                        </p:par>
+                      </p:childTnLst>
+                    </p:cTn>
+                  </p:par>
+                </p:childTnLst>
+              </p:cTn>
+              <p:prevCondLst>
+                <p:cond evt="onPrev" delay="0">
+                  <p:tgtEl>
+                    <p:sldTgt/>
+                  </p:tgtEl>
+                </p:cond>
+              </p:prevCondLst>
+              <p:nextCondLst>
+                <p:cond evt="onNext" delay="0">
+                  <p:tgtEl>
+                    <p:sldTgt/>
+                  </p:tgtEl>
+                </p:cond>
+              </p:nextCondLst>
+            </p:seq>
+          </p:childTnLst>
+        </p:cTn>
       </p:par>
     </p:tnLst>
+    <p:bldLst>
+      <p:bldP spid="3" grpId="0" build="p"/>
+    </p:bldLst>
   </p:timing>
 </p:sld>
 </file>
@@ -27037,281 +27101,6 @@
         </p:nvSpPr>
         <p:spPr/>
         <p:txBody>
-          <a:bodyPr>
-            <a:normAutofit/>
-          </a:bodyPr>
-          <a:lstStyle/>
-          <a:p>
-            <a:r>
-              <a:rPr lang="ru-RU" dirty="0" smtClean="0"/>
-              <a:t>Виды тестов</a:t>
-            </a:r>
-            <a:endParaRPr lang="ru-RU" dirty="0"/>
-          </a:p>
-        </p:txBody>
-      </p:sp>
-      <p:sp>
-        <p:nvSpPr>
-          <p:cNvPr id="3" name="Объект 2"/>
-          <p:cNvSpPr>
-            <a:spLocks noGrp="1"/>
-          </p:cNvSpPr>
-          <p:nvPr>
-            <p:ph idx="1"/>
-          </p:nvPr>
-        </p:nvSpPr>
-        <p:spPr/>
-        <p:txBody>
-          <a:bodyPr/>
-          <a:lstStyle/>
-          <a:p>
-            <a:r>
-              <a:rPr lang="ru-RU" dirty="0" smtClean="0"/>
-              <a:t>Модульные</a:t>
-            </a:r>
-          </a:p>
-          <a:p>
-            <a:r>
-              <a:rPr lang="ru-RU" dirty="0" smtClean="0"/>
-              <a:t>Интеграционные</a:t>
-            </a:r>
-          </a:p>
-          <a:p>
-            <a:r>
-              <a:rPr lang="ru-RU" dirty="0" smtClean="0"/>
-              <a:t>Функциональные</a:t>
-            </a:r>
-          </a:p>
-          <a:p>
-            <a:pPr marL="0" indent="0">
-              <a:buNone/>
-            </a:pPr>
-            <a:endParaRPr lang="ru-RU" dirty="0"/>
-          </a:p>
-        </p:txBody>
-      </p:sp>
-    </p:spTree>
-    <p:extLst>
-      <p:ext uri="{BB962C8B-B14F-4D97-AF65-F5344CB8AC3E}">
-        <p14:creationId xmlns:p14="http://schemas.microsoft.com/office/powerpoint/2010/main" val="1914566782"/>
-      </p:ext>
-    </p:extLst>
-  </p:cSld>
-  <p:clrMapOvr>
-    <a:masterClrMapping/>
-  </p:clrMapOvr>
-  <p:timing>
-    <p:tnLst>
-      <p:par>
-        <p:cTn id="1" dur="indefinite" restart="never" nodeType="tmRoot">
-          <p:childTnLst>
-            <p:seq concurrent="1" nextAc="seek">
-              <p:cTn id="2" dur="indefinite" nodeType="mainSeq">
-                <p:childTnLst>
-                  <p:par>
-                    <p:cTn id="3" fill="hold">
-                      <p:stCondLst>
-                        <p:cond delay="indefinite"/>
-                      </p:stCondLst>
-                      <p:childTnLst>
-                        <p:par>
-                          <p:cTn id="4" fill="hold">
-                            <p:stCondLst>
-                              <p:cond delay="0"/>
-                            </p:stCondLst>
-                            <p:childTnLst>
-                              <p:par>
-                                <p:cTn id="5" presetID="1" presetClass="entr" presetSubtype="0" fill="hold" grpId="0" nodeType="clickEffect">
-                                  <p:stCondLst>
-                                    <p:cond delay="0"/>
-                                  </p:stCondLst>
-                                  <p:childTnLst>
-                                    <p:set>
-                                      <p:cBhvr>
-                                        <p:cTn id="6" dur="1" fill="hold">
-                                          <p:stCondLst>
-                                            <p:cond delay="0"/>
-                                          </p:stCondLst>
-                                        </p:cTn>
-                                        <p:tgtEl>
-                                          <p:spTgt spid="3">
-                                            <p:txEl>
-                                              <p:pRg st="0" end="0"/>
-                                            </p:txEl>
-                                          </p:spTgt>
-                                        </p:tgtEl>
-                                        <p:attrNameLst>
-                                          <p:attrName>style.visibility</p:attrName>
-                                        </p:attrNameLst>
-                                      </p:cBhvr>
-                                      <p:to>
-                                        <p:strVal val="visible"/>
-                                      </p:to>
-                                    </p:set>
-                                  </p:childTnLst>
-                                </p:cTn>
-                              </p:par>
-                            </p:childTnLst>
-                          </p:cTn>
-                        </p:par>
-                      </p:childTnLst>
-                    </p:cTn>
-                  </p:par>
-                  <p:par>
-                    <p:cTn id="7" fill="hold">
-                      <p:stCondLst>
-                        <p:cond delay="indefinite"/>
-                      </p:stCondLst>
-                      <p:childTnLst>
-                        <p:par>
-                          <p:cTn id="8" fill="hold">
-                            <p:stCondLst>
-                              <p:cond delay="0"/>
-                            </p:stCondLst>
-                            <p:childTnLst>
-                              <p:par>
-                                <p:cTn id="9" presetID="1" presetClass="entr" presetSubtype="0" fill="hold" grpId="0" nodeType="clickEffect">
-                                  <p:stCondLst>
-                                    <p:cond delay="0"/>
-                                  </p:stCondLst>
-                                  <p:childTnLst>
-                                    <p:set>
-                                      <p:cBhvr>
-                                        <p:cTn id="10" dur="1" fill="hold">
-                                          <p:stCondLst>
-                                            <p:cond delay="0"/>
-                                          </p:stCondLst>
-                                        </p:cTn>
-                                        <p:tgtEl>
-                                          <p:spTgt spid="3">
-                                            <p:txEl>
-                                              <p:pRg st="1" end="1"/>
-                                            </p:txEl>
-                                          </p:spTgt>
-                                        </p:tgtEl>
-                                        <p:attrNameLst>
-                                          <p:attrName>style.visibility</p:attrName>
-                                        </p:attrNameLst>
-                                      </p:cBhvr>
-                                      <p:to>
-                                        <p:strVal val="visible"/>
-                                      </p:to>
-                                    </p:set>
-                                  </p:childTnLst>
-                                </p:cTn>
-                              </p:par>
-                            </p:childTnLst>
-                          </p:cTn>
-                        </p:par>
-                      </p:childTnLst>
-                    </p:cTn>
-                  </p:par>
-                  <p:par>
-                    <p:cTn id="11" fill="hold">
-                      <p:stCondLst>
-                        <p:cond delay="indefinite"/>
-                      </p:stCondLst>
-                      <p:childTnLst>
-                        <p:par>
-                          <p:cTn id="12" fill="hold">
-                            <p:stCondLst>
-                              <p:cond delay="0"/>
-                            </p:stCondLst>
-                            <p:childTnLst>
-                              <p:par>
-                                <p:cTn id="13" presetID="1" presetClass="entr" presetSubtype="0" fill="hold" grpId="0" nodeType="clickEffect">
-                                  <p:stCondLst>
-                                    <p:cond delay="0"/>
-                                  </p:stCondLst>
-                                  <p:childTnLst>
-                                    <p:set>
-                                      <p:cBhvr>
-                                        <p:cTn id="14" dur="1" fill="hold">
-                                          <p:stCondLst>
-                                            <p:cond delay="0"/>
-                                          </p:stCondLst>
-                                        </p:cTn>
-                                        <p:tgtEl>
-                                          <p:spTgt spid="3">
-                                            <p:txEl>
-                                              <p:pRg st="2" end="2"/>
-                                            </p:txEl>
-                                          </p:spTgt>
-                                        </p:tgtEl>
-                                        <p:attrNameLst>
-                                          <p:attrName>style.visibility</p:attrName>
-                                        </p:attrNameLst>
-                                      </p:cBhvr>
-                                      <p:to>
-                                        <p:strVal val="visible"/>
-                                      </p:to>
-                                    </p:set>
-                                  </p:childTnLst>
-                                </p:cTn>
-                              </p:par>
-                            </p:childTnLst>
-                          </p:cTn>
-                        </p:par>
-                      </p:childTnLst>
-                    </p:cTn>
-                  </p:par>
-                </p:childTnLst>
-              </p:cTn>
-              <p:prevCondLst>
-                <p:cond evt="onPrev" delay="0">
-                  <p:tgtEl>
-                    <p:sldTgt/>
-                  </p:tgtEl>
-                </p:cond>
-              </p:prevCondLst>
-              <p:nextCondLst>
-                <p:cond evt="onNext" delay="0">
-                  <p:tgtEl>
-                    <p:sldTgt/>
-                  </p:tgtEl>
-                </p:cond>
-              </p:nextCondLst>
-            </p:seq>
-          </p:childTnLst>
-        </p:cTn>
-      </p:par>
-    </p:tnLst>
-    <p:bldLst>
-      <p:bldP spid="3" grpId="0" build="p"/>
-    </p:bldLst>
-  </p:timing>
-</p:sld>
-</file>
-
-<file path=ppt/slides/slide5.xml><?xml version="1.0" encoding="utf-8"?>
-<p:sld xmlns:a="http://schemas.openxmlformats.org/drawingml/2006/main" xmlns:r="http://schemas.openxmlformats.org/officeDocument/2006/relationships" xmlns:p="http://schemas.openxmlformats.org/presentationml/2006/main">
-  <p:cSld>
-    <p:spTree>
-      <p:nvGrpSpPr>
-        <p:cNvPr id="1" name=""/>
-        <p:cNvGrpSpPr/>
-        <p:nvPr/>
-      </p:nvGrpSpPr>
-      <p:grpSpPr>
-        <a:xfrm>
-          <a:off x="0" y="0"/>
-          <a:ext cx="0" cy="0"/>
-          <a:chOff x="0" y="0"/>
-          <a:chExt cx="0" cy="0"/>
-        </a:xfrm>
-      </p:grpSpPr>
-      <p:sp>
-        <p:nvSpPr>
-          <p:cNvPr id="2" name="Заголовок 1"/>
-          <p:cNvSpPr>
-            <a:spLocks noGrp="1"/>
-          </p:cNvSpPr>
-          <p:nvPr>
-            <p:ph type="title"/>
-          </p:nvPr>
-        </p:nvSpPr>
-        <p:spPr/>
-        <p:txBody>
           <a:bodyPr/>
           <a:lstStyle/>
           <a:p>
@@ -27370,7 +27159,7 @@
 </p:sld>
 </file>
 
-<file path=ppt/slides/slide6.xml><?xml version="1.0" encoding="utf-8"?>
+<file path=ppt/slides/slide5.xml><?xml version="1.0" encoding="utf-8"?>
 <p:sld xmlns:a="http://schemas.openxmlformats.org/drawingml/2006/main" xmlns:r="http://schemas.openxmlformats.org/officeDocument/2006/relationships" xmlns:p="http://schemas.openxmlformats.org/presentationml/2006/main">
   <p:cSld>
     <p:spTree>
@@ -27458,7 +27247,7 @@
 </p:sld>
 </file>
 
-<file path=ppt/slides/slide7.xml><?xml version="1.0" encoding="utf-8"?>
+<file path=ppt/slides/slide6.xml><?xml version="1.0" encoding="utf-8"?>
 <p:sld xmlns:a="http://schemas.openxmlformats.org/drawingml/2006/main" xmlns:r="http://schemas.openxmlformats.org/officeDocument/2006/relationships" xmlns:p="http://schemas.openxmlformats.org/presentationml/2006/main">
   <p:cSld>
     <p:spTree>
@@ -27542,7 +27331,7 @@
 </p:sld>
 </file>
 
-<file path=ppt/slides/slide8.xml><?xml version="1.0" encoding="utf-8"?>
+<file path=ppt/slides/slide7.xml><?xml version="1.0" encoding="utf-8"?>
 <p:sld xmlns:a="http://schemas.openxmlformats.org/drawingml/2006/main" xmlns:r="http://schemas.openxmlformats.org/officeDocument/2006/relationships" xmlns:p="http://schemas.openxmlformats.org/presentationml/2006/main">
   <p:cSld>
     <p:spTree>
@@ -27923,7 +27712,7 @@
 </p:sld>
 </file>
 
-<file path=ppt/slides/slide9.xml><?xml version="1.0" encoding="utf-8"?>
+<file path=ppt/slides/slide8.xml><?xml version="1.0" encoding="utf-8"?>
 <p:sld xmlns:a="http://schemas.openxmlformats.org/drawingml/2006/main" xmlns:r="http://schemas.openxmlformats.org/officeDocument/2006/relationships" xmlns:p="http://schemas.openxmlformats.org/presentationml/2006/main">
   <p:cSld>
     <p:spTree>
@@ -28051,6 +27840,209 @@
         <p:cTn id="1" dur="indefinite" restart="never" nodeType="tmRoot"/>
       </p:par>
     </p:tnLst>
+  </p:timing>
+</p:sld>
+</file>
+
+<file path=ppt/slides/slide9.xml><?xml version="1.0" encoding="utf-8"?>
+<p:sld xmlns:a="http://schemas.openxmlformats.org/drawingml/2006/main" xmlns:r="http://schemas.openxmlformats.org/officeDocument/2006/relationships" xmlns:p="http://schemas.openxmlformats.org/presentationml/2006/main">
+  <p:cSld>
+    <p:spTree>
+      <p:nvGrpSpPr>
+        <p:cNvPr id="1" name=""/>
+        <p:cNvGrpSpPr/>
+        <p:nvPr/>
+      </p:nvGrpSpPr>
+      <p:grpSpPr>
+        <a:xfrm>
+          <a:off x="0" y="0"/>
+          <a:ext cx="0" cy="0"/>
+          <a:chOff x="0" y="0"/>
+          <a:chExt cx="0" cy="0"/>
+        </a:xfrm>
+      </p:grpSpPr>
+      <p:sp>
+        <p:nvSpPr>
+          <p:cNvPr id="2" name="Заголовок 1"/>
+          <p:cNvSpPr>
+            <a:spLocks noGrp="1"/>
+          </p:cNvSpPr>
+          <p:nvPr>
+            <p:ph type="title"/>
+          </p:nvPr>
+        </p:nvSpPr>
+        <p:spPr/>
+        <p:txBody>
+          <a:bodyPr>
+            <a:normAutofit/>
+          </a:bodyPr>
+          <a:lstStyle/>
+          <a:p>
+            <a:r>
+              <a:rPr lang="en-US" dirty="0" smtClean="0"/>
+              <a:t>TDD</a:t>
+            </a:r>
+            <a:endParaRPr lang="ru-RU" dirty="0"/>
+          </a:p>
+        </p:txBody>
+      </p:sp>
+      <p:graphicFrame>
+        <p:nvGraphicFramePr>
+          <p:cNvPr id="4" name="Схема 3"/>
+          <p:cNvGraphicFramePr/>
+          <p:nvPr>
+            <p:extLst>
+              <p:ext uri="{D42A27DB-BD31-4B8C-83A1-F6EECF244321}">
+                <p14:modId xmlns:p14="http://schemas.microsoft.com/office/powerpoint/2010/main" val="1951959230"/>
+              </p:ext>
+            </p:extLst>
+          </p:nvPr>
+        </p:nvGraphicFramePr>
+        <p:xfrm>
+          <a:off x="683568" y="1685032"/>
+          <a:ext cx="7920880" cy="4624288"/>
+        </p:xfrm>
+        <a:graphic>
+          <a:graphicData uri="http://schemas.openxmlformats.org/drawingml/2006/diagram">
+            <dgm:relIds xmlns:dgm="http://schemas.openxmlformats.org/drawingml/2006/diagram" xmlns:r="http://schemas.openxmlformats.org/officeDocument/2006/relationships" r:dm="rId2" r:lo="rId3" r:qs="rId4" r:cs="rId5"/>
+          </a:graphicData>
+        </a:graphic>
+      </p:graphicFrame>
+      <p:sp>
+        <p:nvSpPr>
+          <p:cNvPr id="6" name="Заголовок 1"/>
+          <p:cNvSpPr txBox="1">
+            <a:spLocks/>
+          </p:cNvSpPr>
+          <p:nvPr/>
+        </p:nvSpPr>
+        <p:spPr>
+          <a:xfrm>
+            <a:off x="2771800" y="1124744"/>
+            <a:ext cx="3672408" cy="360040"/>
+          </a:xfrm>
+          <a:prstGeom prst="rect">
+            <a:avLst/>
+          </a:prstGeom>
+        </p:spPr>
+        <p:txBody>
+          <a:bodyPr vert="horz" lIns="91440" tIns="45720" rIns="91440" bIns="45720" rtlCol="0" anchor="ctr">
+            <a:normAutofit fontScale="85000" lnSpcReduction="20000"/>
+          </a:bodyPr>
+          <a:lstStyle>
+            <a:lvl1pPr algn="ctr" defTabSz="914400" rtl="0" eaLnBrk="1" latinLnBrk="0" hangingPunct="1">
+              <a:spcBef>
+                <a:spcPct val="0"/>
+              </a:spcBef>
+              <a:buNone/>
+              <a:defRPr sz="4400" b="1" kern="1200">
+                <a:solidFill>
+                  <a:schemeClr val="tx1">
+                    <a:lumMod val="75000"/>
+                    <a:lumOff val="25000"/>
+                  </a:schemeClr>
+                </a:solidFill>
+                <a:latin typeface="Segoe UI" pitchFamily="34" charset="0"/>
+                <a:ea typeface="Segoe UI" pitchFamily="34" charset="0"/>
+                <a:cs typeface="Segoe UI" pitchFamily="34" charset="0"/>
+              </a:defRPr>
+            </a:lvl1pPr>
+          </a:lstStyle>
+          <a:p>
+            <a:r>
+              <a:rPr lang="ru-RU" sz="2400" b="0" dirty="0" smtClean="0"/>
+              <a:t>на самом деле тоже нет!</a:t>
+            </a:r>
+          </a:p>
+        </p:txBody>
+      </p:sp>
+    </p:spTree>
+    <p:extLst>
+      <p:ext uri="{BB962C8B-B14F-4D97-AF65-F5344CB8AC3E}">
+        <p14:creationId xmlns:p14="http://schemas.microsoft.com/office/powerpoint/2010/main" val="2366178069"/>
+      </p:ext>
+    </p:extLst>
+  </p:cSld>
+  <p:clrMapOvr>
+    <a:masterClrMapping/>
+  </p:clrMapOvr>
+  <p:timing>
+    <p:tnLst>
+      <p:par>
+        <p:cTn id="1" dur="indefinite" restart="never" nodeType="tmRoot">
+          <p:childTnLst>
+            <p:seq concurrent="1" nextAc="seek">
+              <p:cTn id="2" dur="indefinite" nodeType="mainSeq">
+                <p:childTnLst>
+                  <p:par>
+                    <p:cTn id="3" fill="hold">
+                      <p:stCondLst>
+                        <p:cond delay="indefinite"/>
+                      </p:stCondLst>
+                      <p:childTnLst>
+                        <p:par>
+                          <p:cTn id="4" fill="hold">
+                            <p:stCondLst>
+                              <p:cond delay="0"/>
+                            </p:stCondLst>
+                            <p:childTnLst>
+                              <p:par>
+                                <p:cTn id="5" presetID="1" presetClass="entr" presetSubtype="0" fill="hold" grpId="0" nodeType="clickEffect">
+                                  <p:stCondLst>
+                                    <p:cond delay="0"/>
+                                  </p:stCondLst>
+                                  <p:childTnLst>
+                                    <p:set>
+                                      <p:cBhvr>
+                                        <p:cTn id="6" dur="1" fill="hold">
+                                          <p:stCondLst>
+                                            <p:cond delay="0"/>
+                                          </p:stCondLst>
+                                        </p:cTn>
+                                        <p:tgtEl>
+                                          <p:spTgt spid="6"/>
+                                        </p:tgtEl>
+                                        <p:attrNameLst>
+                                          <p:attrName>style.visibility</p:attrName>
+                                        </p:attrNameLst>
+                                      </p:cBhvr>
+                                      <p:to>
+                                        <p:strVal val="visible"/>
+                                      </p:to>
+                                    </p:set>
+                                  </p:childTnLst>
+                                </p:cTn>
+                              </p:par>
+                            </p:childTnLst>
+                          </p:cTn>
+                        </p:par>
+                      </p:childTnLst>
+                    </p:cTn>
+                  </p:par>
+                </p:childTnLst>
+              </p:cTn>
+              <p:prevCondLst>
+                <p:cond evt="onPrev" delay="0">
+                  <p:tgtEl>
+                    <p:sldTgt/>
+                  </p:tgtEl>
+                </p:cond>
+              </p:prevCondLst>
+              <p:nextCondLst>
+                <p:cond evt="onNext" delay="0">
+                  <p:tgtEl>
+                    <p:sldTgt/>
+                  </p:tgtEl>
+                </p:cond>
+              </p:nextCondLst>
+            </p:seq>
+          </p:childTnLst>
+        </p:cTn>
+      </p:par>
+    </p:tnLst>
+    <p:bldLst>
+      <p:bldP spid="6" grpId="0"/>
+    </p:bldLst>
   </p:timing>
 </p:sld>
 </file>
